--- a/Day1/第一讲.pptx
+++ b/Day1/第一讲.pptx
@@ -247,7 +247,7 @@
           <a:p>
             <a:fld id="{47BB6AF0-2768-48E3-8EBC-BD1A42557A89}" type="datetimeFigureOut">
               <a:rPr lang="zh-CN" altLang="en-US" smtClean="0"/>
-              <a:t>2021/7/24</a:t>
+              <a:t>2021/7/26</a:t>
             </a:fld>
             <a:endParaRPr lang="zh-CN" altLang="en-US"/>
           </a:p>
@@ -598,6 +598,90 @@
 </p:notes>
 </file>
 
+<file path=ppt/notesSlides/notesSlide2.xml><?xml version="1.0" encoding="utf-8"?>
+<p:notes xmlns:a="http://schemas.openxmlformats.org/drawingml/2006/main" xmlns:r="http://schemas.openxmlformats.org/officeDocument/2006/relationships" xmlns:p="http://schemas.openxmlformats.org/presentationml/2006/main">
+  <p:cSld>
+    <p:spTree>
+      <p:nvGrpSpPr>
+        <p:cNvPr id="1" name=""/>
+        <p:cNvGrpSpPr/>
+        <p:nvPr/>
+      </p:nvGrpSpPr>
+      <p:grpSpPr>
+        <a:xfrm>
+          <a:off x="0" y="0"/>
+          <a:ext cx="0" cy="0"/>
+          <a:chOff x="0" y="0"/>
+          <a:chExt cx="0" cy="0"/>
+        </a:xfrm>
+      </p:grpSpPr>
+      <p:sp>
+        <p:nvSpPr>
+          <p:cNvPr id="2" name="幻灯片图像占位符 1"/>
+          <p:cNvSpPr>
+            <a:spLocks noGrp="1" noRot="1" noChangeAspect="1"/>
+          </p:cNvSpPr>
+          <p:nvPr>
+            <p:ph type="sldImg"/>
+          </p:nvPr>
+        </p:nvSpPr>
+        <p:spPr/>
+      </p:sp>
+      <p:sp>
+        <p:nvSpPr>
+          <p:cNvPr id="3" name="备注占位符 2"/>
+          <p:cNvSpPr>
+            <a:spLocks noGrp="1"/>
+          </p:cNvSpPr>
+          <p:nvPr>
+            <p:ph type="body" idx="1"/>
+          </p:nvPr>
+        </p:nvSpPr>
+        <p:spPr/>
+        <p:txBody>
+          <a:bodyPr/>
+          <a:lstStyle/>
+          <a:p>
+            <a:endParaRPr lang="zh-CN" altLang="en-US" dirty="0"/>
+          </a:p>
+        </p:txBody>
+      </p:sp>
+      <p:sp>
+        <p:nvSpPr>
+          <p:cNvPr id="4" name="灯片编号占位符 3"/>
+          <p:cNvSpPr>
+            <a:spLocks noGrp="1"/>
+          </p:cNvSpPr>
+          <p:nvPr>
+            <p:ph type="sldNum" sz="quarter" idx="5"/>
+          </p:nvPr>
+        </p:nvSpPr>
+        <p:spPr/>
+        <p:txBody>
+          <a:bodyPr/>
+          <a:lstStyle/>
+          <a:p>
+            <a:fld id="{F8DD63CD-CE2C-475D-96F0-1C3A36FB42DC}" type="slidenum">
+              <a:rPr lang="zh-CN" altLang="en-US" smtClean="0"/>
+              <a:t>31</a:t>
+            </a:fld>
+            <a:endParaRPr lang="zh-CN" altLang="en-US"/>
+          </a:p>
+        </p:txBody>
+      </p:sp>
+    </p:spTree>
+    <p:extLst>
+      <p:ext uri="{BB962C8B-B14F-4D97-AF65-F5344CB8AC3E}">
+        <p14:creationId xmlns:p14="http://schemas.microsoft.com/office/powerpoint/2010/main" val="3964167006"/>
+      </p:ext>
+    </p:extLst>
+  </p:cSld>
+  <p:clrMapOvr>
+    <a:masterClrMapping/>
+  </p:clrMapOvr>
+</p:notes>
+</file>
+
 <file path=ppt/slideLayouts/slideLayout1.xml><?xml version="1.0" encoding="utf-8"?>
 <p:sldLayout xmlns:a="http://schemas.openxmlformats.org/drawingml/2006/main" xmlns:r="http://schemas.openxmlformats.org/officeDocument/2006/relationships" xmlns:p="http://schemas.openxmlformats.org/presentationml/2006/main" type="title" preserve="1">
   <p:cSld name="标题幻灯片">
@@ -745,7 +829,7 @@
           <a:p>
             <a:fld id="{BCA6353E-BF87-477F-AEE5-D85A8A5F3ABA}" type="datetimeFigureOut">
               <a:rPr lang="zh-CN" altLang="en-US" smtClean="0"/>
-              <a:t>2021/7/24</a:t>
+              <a:t>2021/7/26</a:t>
             </a:fld>
             <a:endParaRPr lang="zh-CN" altLang="en-US"/>
           </a:p>
@@ -943,7 +1027,7 @@
           <a:p>
             <a:fld id="{BCA6353E-BF87-477F-AEE5-D85A8A5F3ABA}" type="datetimeFigureOut">
               <a:rPr lang="zh-CN" altLang="en-US" smtClean="0"/>
-              <a:t>2021/7/24</a:t>
+              <a:t>2021/7/26</a:t>
             </a:fld>
             <a:endParaRPr lang="zh-CN" altLang="en-US"/>
           </a:p>
@@ -1151,7 +1235,7 @@
           <a:p>
             <a:fld id="{BCA6353E-BF87-477F-AEE5-D85A8A5F3ABA}" type="datetimeFigureOut">
               <a:rPr lang="zh-CN" altLang="en-US" smtClean="0"/>
-              <a:t>2021/7/24</a:t>
+              <a:t>2021/7/26</a:t>
             </a:fld>
             <a:endParaRPr lang="zh-CN" altLang="en-US"/>
           </a:p>
@@ -1349,7 +1433,7 @@
           <a:p>
             <a:fld id="{BCA6353E-BF87-477F-AEE5-D85A8A5F3ABA}" type="datetimeFigureOut">
               <a:rPr lang="zh-CN" altLang="en-US" smtClean="0"/>
-              <a:t>2021/7/24</a:t>
+              <a:t>2021/7/26</a:t>
             </a:fld>
             <a:endParaRPr lang="zh-CN" altLang="en-US"/>
           </a:p>
@@ -1624,7 +1708,7 @@
           <a:p>
             <a:fld id="{BCA6353E-BF87-477F-AEE5-D85A8A5F3ABA}" type="datetimeFigureOut">
               <a:rPr lang="zh-CN" altLang="en-US" smtClean="0"/>
-              <a:t>2021/7/24</a:t>
+              <a:t>2021/7/26</a:t>
             </a:fld>
             <a:endParaRPr lang="zh-CN" altLang="en-US"/>
           </a:p>
@@ -1889,7 +1973,7 @@
           <a:p>
             <a:fld id="{BCA6353E-BF87-477F-AEE5-D85A8A5F3ABA}" type="datetimeFigureOut">
               <a:rPr lang="zh-CN" altLang="en-US" smtClean="0"/>
-              <a:t>2021/7/24</a:t>
+              <a:t>2021/7/26</a:t>
             </a:fld>
             <a:endParaRPr lang="zh-CN" altLang="en-US"/>
           </a:p>
@@ -2301,7 +2385,7 @@
           <a:p>
             <a:fld id="{BCA6353E-BF87-477F-AEE5-D85A8A5F3ABA}" type="datetimeFigureOut">
               <a:rPr lang="zh-CN" altLang="en-US" smtClean="0"/>
-              <a:t>2021/7/24</a:t>
+              <a:t>2021/7/26</a:t>
             </a:fld>
             <a:endParaRPr lang="zh-CN" altLang="en-US"/>
           </a:p>
@@ -2442,7 +2526,7 @@
           <a:p>
             <a:fld id="{BCA6353E-BF87-477F-AEE5-D85A8A5F3ABA}" type="datetimeFigureOut">
               <a:rPr lang="zh-CN" altLang="en-US" smtClean="0"/>
-              <a:t>2021/7/24</a:t>
+              <a:t>2021/7/26</a:t>
             </a:fld>
             <a:endParaRPr lang="zh-CN" altLang="en-US"/>
           </a:p>
@@ -2555,7 +2639,7 @@
           <a:p>
             <a:fld id="{BCA6353E-BF87-477F-AEE5-D85A8A5F3ABA}" type="datetimeFigureOut">
               <a:rPr lang="zh-CN" altLang="en-US" smtClean="0"/>
-              <a:t>2021/7/24</a:t>
+              <a:t>2021/7/26</a:t>
             </a:fld>
             <a:endParaRPr lang="zh-CN" altLang="en-US"/>
           </a:p>
@@ -2866,7 +2950,7 @@
           <a:p>
             <a:fld id="{BCA6353E-BF87-477F-AEE5-D85A8A5F3ABA}" type="datetimeFigureOut">
               <a:rPr lang="zh-CN" altLang="en-US" smtClean="0"/>
-              <a:t>2021/7/24</a:t>
+              <a:t>2021/7/26</a:t>
             </a:fld>
             <a:endParaRPr lang="zh-CN" altLang="en-US"/>
           </a:p>
@@ -3154,7 +3238,7 @@
           <a:p>
             <a:fld id="{BCA6353E-BF87-477F-AEE5-D85A8A5F3ABA}" type="datetimeFigureOut">
               <a:rPr lang="zh-CN" altLang="en-US" smtClean="0"/>
-              <a:t>2021/7/24</a:t>
+              <a:t>2021/7/26</a:t>
             </a:fld>
             <a:endParaRPr lang="zh-CN" altLang="en-US"/>
           </a:p>
@@ -3395,7 +3479,7 @@
           <a:p>
             <a:fld id="{BCA6353E-BF87-477F-AEE5-D85A8A5F3ABA}" type="datetimeFigureOut">
               <a:rPr lang="zh-CN" altLang="en-US" smtClean="0"/>
-              <a:t>2021/7/24</a:t>
+              <a:t>2021/7/26</a:t>
             </a:fld>
             <a:endParaRPr lang="zh-CN" altLang="en-US"/>
           </a:p>
@@ -14616,7 +14700,6 @@
               <a:rPr lang="en-US" altLang="zh-CN" dirty="0"/>
               <a:t>	</a:t>
             </a:r>
-            <a:endParaRPr lang="zh-CN" altLang="en-US" dirty="0"/>
           </a:p>
         </p:txBody>
       </p:sp>
@@ -14703,7 +14786,33 @@
           <a:bodyPr/>
           <a:lstStyle/>
           <a:p>
-            <a:endParaRPr lang="zh-CN" altLang="en-US"/>
+            <a:r>
+              <a:rPr lang="en-US" altLang="zh-CN" dirty="0" err="1"/>
+              <a:t>github</a:t>
+            </a:r>
+            <a:r>
+              <a:rPr lang="zh-CN" altLang="en-US" dirty="0"/>
+              <a:t>注册账号</a:t>
+            </a:r>
+            <a:endParaRPr lang="en-US" altLang="zh-CN" dirty="0"/>
+          </a:p>
+          <a:p>
+            <a:r>
+              <a:rPr lang="zh-CN" altLang="en-US" dirty="0"/>
+              <a:t>新建仓库</a:t>
+            </a:r>
+            <a:endParaRPr lang="en-US" altLang="zh-CN" dirty="0"/>
+          </a:p>
+          <a:p>
+            <a:r>
+              <a:rPr lang="zh-CN" altLang="en-US" dirty="0"/>
+              <a:t>仓库地址 请发给   </a:t>
+            </a:r>
+            <a:r>
+              <a:rPr lang="en-US" altLang="zh-CN" dirty="0"/>
+              <a:t>cxz@zjueva.net</a:t>
+            </a:r>
+            <a:endParaRPr lang="zh-CN" altLang="en-US" dirty="0"/>
           </a:p>
         </p:txBody>
       </p:sp>
